--- a/Appathon_InternetAndApps.pptx
+++ b/Appathon_InternetAndApps.pptx
@@ -123,6 +123,11 @@
       </a:defRPr>
     </a:lvl9pPr>
   </p:defaultTextStyle>
+  <p:extLst>
+    <p:ext uri="{EFAFB233-063F-42B5-8137-9DF3F51BA10A}">
+      <p15:sldGuideLst xmlns:p15="http://schemas.microsoft.com/office/powerpoint/2012/main"/>
+    </p:ext>
+  </p:extLst>
 </p:presentation>
 </file>
 
@@ -208,7 +213,7 @@
           <a:p>
             <a:fld id="{E504404F-492B-4FAC-BC96-EF4F8F90ABA7}" type="datetimeFigureOut">
               <a:rPr lang="el-GR" smtClean="0"/>
-              <a:t>16/8/2020</a:t>
+              <a:t>19/8/2020</a:t>
             </a:fld>
             <a:endParaRPr lang="el-GR"/>
           </a:p>
@@ -706,7 +711,7 @@
           <a:p>
             <a:fld id="{61A84C32-2955-4F3D-A468-2F7DDFE8F8FB}" type="datetimeFigureOut">
               <a:rPr lang="el-GR" smtClean="0"/>
-              <a:t>16/8/2020</a:t>
+              <a:t>19/8/2020</a:t>
             </a:fld>
             <a:endParaRPr lang="el-GR"/>
           </a:p>
@@ -904,7 +909,7 @@
           <a:p>
             <a:fld id="{61A84C32-2955-4F3D-A468-2F7DDFE8F8FB}" type="datetimeFigureOut">
               <a:rPr lang="el-GR" smtClean="0"/>
-              <a:t>16/8/2020</a:t>
+              <a:t>19/8/2020</a:t>
             </a:fld>
             <a:endParaRPr lang="el-GR"/>
           </a:p>
@@ -1112,7 +1117,7 @@
           <a:p>
             <a:fld id="{61A84C32-2955-4F3D-A468-2F7DDFE8F8FB}" type="datetimeFigureOut">
               <a:rPr lang="el-GR" smtClean="0"/>
-              <a:t>16/8/2020</a:t>
+              <a:t>19/8/2020</a:t>
             </a:fld>
             <a:endParaRPr lang="el-GR"/>
           </a:p>
@@ -2988,7 +2993,7 @@
           <a:p>
             <a:fld id="{61A84C32-2955-4F3D-A468-2F7DDFE8F8FB}" type="datetimeFigureOut">
               <a:rPr lang="el-GR" smtClean="0"/>
-              <a:t>16/8/2020</a:t>
+              <a:t>19/8/2020</a:t>
             </a:fld>
             <a:endParaRPr lang="el-GR"/>
           </a:p>
@@ -3263,7 +3268,7 @@
           <a:p>
             <a:fld id="{61A84C32-2955-4F3D-A468-2F7DDFE8F8FB}" type="datetimeFigureOut">
               <a:rPr lang="el-GR" smtClean="0"/>
-              <a:t>16/8/2020</a:t>
+              <a:t>19/8/2020</a:t>
             </a:fld>
             <a:endParaRPr lang="el-GR"/>
           </a:p>
@@ -3528,7 +3533,7 @@
           <a:p>
             <a:fld id="{61A84C32-2955-4F3D-A468-2F7DDFE8F8FB}" type="datetimeFigureOut">
               <a:rPr lang="el-GR" smtClean="0"/>
-              <a:t>16/8/2020</a:t>
+              <a:t>19/8/2020</a:t>
             </a:fld>
             <a:endParaRPr lang="el-GR"/>
           </a:p>
@@ -3940,7 +3945,7 @@
           <a:p>
             <a:fld id="{61A84C32-2955-4F3D-A468-2F7DDFE8F8FB}" type="datetimeFigureOut">
               <a:rPr lang="el-GR" smtClean="0"/>
-              <a:t>16/8/2020</a:t>
+              <a:t>19/8/2020</a:t>
             </a:fld>
             <a:endParaRPr lang="el-GR"/>
           </a:p>
@@ -4081,7 +4086,7 @@
           <a:p>
             <a:fld id="{61A84C32-2955-4F3D-A468-2F7DDFE8F8FB}" type="datetimeFigureOut">
               <a:rPr lang="el-GR" smtClean="0"/>
-              <a:t>16/8/2020</a:t>
+              <a:t>19/8/2020</a:t>
             </a:fld>
             <a:endParaRPr lang="el-GR"/>
           </a:p>
@@ -4194,7 +4199,7 @@
           <a:p>
             <a:fld id="{61A84C32-2955-4F3D-A468-2F7DDFE8F8FB}" type="datetimeFigureOut">
               <a:rPr lang="el-GR" smtClean="0"/>
-              <a:t>16/8/2020</a:t>
+              <a:t>19/8/2020</a:t>
             </a:fld>
             <a:endParaRPr lang="el-GR"/>
           </a:p>
@@ -4505,7 +4510,7 @@
           <a:p>
             <a:fld id="{61A84C32-2955-4F3D-A468-2F7DDFE8F8FB}" type="datetimeFigureOut">
               <a:rPr lang="el-GR" smtClean="0"/>
-              <a:t>16/8/2020</a:t>
+              <a:t>19/8/2020</a:t>
             </a:fld>
             <a:endParaRPr lang="el-GR"/>
           </a:p>
@@ -4793,7 +4798,7 @@
           <a:p>
             <a:fld id="{61A84C32-2955-4F3D-A468-2F7DDFE8F8FB}" type="datetimeFigureOut">
               <a:rPr lang="el-GR" smtClean="0"/>
-              <a:t>16/8/2020</a:t>
+              <a:t>19/8/2020</a:t>
             </a:fld>
             <a:endParaRPr lang="el-GR"/>
           </a:p>
@@ -5034,7 +5039,7 @@
           <a:p>
             <a:fld id="{61A84C32-2955-4F3D-A468-2F7DDFE8F8FB}" type="datetimeFigureOut">
               <a:rPr lang="el-GR" smtClean="0"/>
-              <a:t>16/8/2020</a:t>
+              <a:t>19/8/2020</a:t>
             </a:fld>
             <a:endParaRPr lang="el-GR"/>
           </a:p>
@@ -11946,7 +11951,7 @@
         </p:spPr>
         <p:txBody>
           <a:bodyPr vert="horz" lIns="91425" tIns="91425" rIns="91425" bIns="91425" rtlCol="0" anchor="b">
-            <a:normAutofit fontScale="67500" lnSpcReduction="20000"/>
+            <a:normAutofit fontScale="60000" lnSpcReduction="20000"/>
           </a:bodyPr>
           <a:lstStyle>
             <a:lvl1pPr lvl="0" algn="l" defTabSz="914400" rtl="0" eaLnBrk="1" latinLnBrk="0" hangingPunct="1">
@@ -12069,11 +12074,44 @@
             </a:r>
           </a:p>
           <a:p>
-            <a:pPr lvl="0">
+            <a:pPr>
               <a:lnSpc>
                 <a:spcPct val="100000"/>
               </a:lnSpc>
             </a:pPr>
+            <a:endParaRPr lang="en-US" sz="1800" dirty="0">
+              <a:solidFill>
+                <a:prstClr val="black"/>
+              </a:solidFill>
+              <a:latin typeface="-apple-system"/>
+            </a:endParaRPr>
+          </a:p>
+          <a:p>
+            <a:pPr marL="342900" indent="-342900">
+              <a:lnSpc>
+                <a:spcPct val="100000"/>
+              </a:lnSpc>
+              <a:buFont typeface="+mj-lt"/>
+              <a:buAutoNum type="arabicPeriod"/>
+            </a:pPr>
+            <a:r>
+              <a:rPr lang="en-US" sz="1800" dirty="0" err="1">
+                <a:solidFill>
+                  <a:prstClr val="black"/>
+                </a:solidFill>
+                <a:latin typeface="-apple-system"/>
+              </a:rPr>
+              <a:t>npm</a:t>
+            </a:r>
+            <a:r>
+              <a:rPr lang="en-US" sz="1800" dirty="0">
+                <a:solidFill>
+                  <a:prstClr val="black"/>
+                </a:solidFill>
+                <a:latin typeface="-apple-system"/>
+              </a:rPr>
+              <a:t> install react-bootstrap bootstrap</a:t>
+            </a:r>
             <a:endParaRPr lang="el-GR" sz="1800" dirty="0">
               <a:solidFill>
                 <a:srgbClr val="24292E"/>
@@ -12146,7 +12184,7 @@
               </a:rPr>
               <a:t>dom</a:t>
             </a:r>
-            <a:endParaRPr lang="el-GR" sz="1800" dirty="0">
+            <a:endParaRPr lang="en-US" sz="1800" dirty="0">
               <a:solidFill>
                 <a:prstClr val="black"/>
               </a:solidFill>
